--- a/HAR.pptx
+++ b/HAR.pptx
@@ -157,6 +157,121 @@
 </p:presentation>
 </file>
 
+<file path=ppt/changesInfos/changesInfo1.xml><?xml version="1.0" encoding="utf-8"?>
+<pc:chgInfo xmlns:a="http://schemas.openxmlformats.org/drawingml/2006/main" xmlns:r="http://schemas.openxmlformats.org/officeDocument/2006/relationships" xmlns:ac="http://schemas.microsoft.com/office/drawing/2013/main/command" xmlns:pc="http://schemas.microsoft.com/office/powerpoint/2013/main/command">
+  <pc:docChgLst>
+    <pc:chgData name="Aditi Goel" userId="3fa20b3036099dbe" providerId="LiveId" clId="{EF1906B0-F026-44B2-B46E-82ECC07F644E}"/>
+    <pc:docChg chg="undo custSel modSld">
+      <pc:chgData name="Aditi Goel" userId="3fa20b3036099dbe" providerId="LiveId" clId="{EF1906B0-F026-44B2-B46E-82ECC07F644E}" dt="2021-04-09T03:55:16.699" v="74" actId="403"/>
+      <pc:docMkLst>
+        <pc:docMk/>
+      </pc:docMkLst>
+      <pc:sldChg chg="addSp delSp modSp mod setBg">
+        <pc:chgData name="Aditi Goel" userId="3fa20b3036099dbe" providerId="LiveId" clId="{EF1906B0-F026-44B2-B46E-82ECC07F644E}" dt="2021-04-09T03:55:16.699" v="74" actId="403"/>
+        <pc:sldMkLst>
+          <pc:docMk/>
+          <pc:sldMk cId="0" sldId="256"/>
+        </pc:sldMkLst>
+        <pc:spChg chg="mod">
+          <ac:chgData name="Aditi Goel" userId="3fa20b3036099dbe" providerId="LiveId" clId="{EF1906B0-F026-44B2-B46E-82ECC07F644E}" dt="2021-04-09T03:51:29.818" v="23" actId="1076"/>
+          <ac:spMkLst>
+            <pc:docMk/>
+            <pc:sldMk cId="0" sldId="256"/>
+            <ac:spMk id="3" creationId="{00000000-0000-0000-0000-000000000000}"/>
+          </ac:spMkLst>
+        </pc:spChg>
+        <pc:spChg chg="mod">
+          <ac:chgData name="Aditi Goel" userId="3fa20b3036099dbe" providerId="LiveId" clId="{EF1906B0-F026-44B2-B46E-82ECC07F644E}" dt="2021-04-09T03:55:16.699" v="74" actId="403"/>
+          <ac:spMkLst>
+            <pc:docMk/>
+            <pc:sldMk cId="0" sldId="256"/>
+            <ac:spMk id="5" creationId="{00000000-0000-0000-0000-000000000000}"/>
+          </ac:spMkLst>
+        </pc:spChg>
+        <pc:spChg chg="mod">
+          <ac:chgData name="Aditi Goel" userId="3fa20b3036099dbe" providerId="LiveId" clId="{EF1906B0-F026-44B2-B46E-82ECC07F644E}" dt="2021-04-09T03:53:59.600" v="67" actId="20577"/>
+          <ac:spMkLst>
+            <pc:docMk/>
+            <pc:sldMk cId="0" sldId="256"/>
+            <ac:spMk id="6" creationId="{00000000-0000-0000-0000-000000000000}"/>
+          </ac:spMkLst>
+        </pc:spChg>
+        <pc:spChg chg="add del mod">
+          <ac:chgData name="Aditi Goel" userId="3fa20b3036099dbe" providerId="LiveId" clId="{EF1906B0-F026-44B2-B46E-82ECC07F644E}" dt="2021-04-09T03:52:19.261" v="37"/>
+          <ac:spMkLst>
+            <pc:docMk/>
+            <pc:sldMk cId="0" sldId="256"/>
+            <ac:spMk id="10" creationId="{1ADF1BBD-E009-4122-916C-A32204661FFC}"/>
+          </ac:spMkLst>
+        </pc:spChg>
+        <pc:spChg chg="add del mod">
+          <ac:chgData name="Aditi Goel" userId="3fa20b3036099dbe" providerId="LiveId" clId="{EF1906B0-F026-44B2-B46E-82ECC07F644E}" dt="2021-04-09T03:52:12.171" v="34"/>
+          <ac:spMkLst>
+            <pc:docMk/>
+            <pc:sldMk cId="0" sldId="256"/>
+            <ac:spMk id="11" creationId="{9673B59A-9572-4F5F-A6BA-590440914091}"/>
+          </ac:spMkLst>
+        </pc:spChg>
+        <pc:spChg chg="add mod">
+          <ac:chgData name="Aditi Goel" userId="3fa20b3036099dbe" providerId="LiveId" clId="{EF1906B0-F026-44B2-B46E-82ECC07F644E}" dt="2021-04-09T03:54:33.843" v="72" actId="14100"/>
+          <ac:spMkLst>
+            <pc:docMk/>
+            <pc:sldMk cId="0" sldId="256"/>
+            <ac:spMk id="12" creationId="{68A900BB-A6DB-4B42-8048-F3D17C69FF0A}"/>
+          </ac:spMkLst>
+        </pc:spChg>
+        <pc:picChg chg="mod">
+          <ac:chgData name="Aditi Goel" userId="3fa20b3036099dbe" providerId="LiveId" clId="{EF1906B0-F026-44B2-B46E-82ECC07F644E}" dt="2021-04-09T03:50:45.983" v="13" actId="1076"/>
+          <ac:picMkLst>
+            <pc:docMk/>
+            <pc:sldMk cId="0" sldId="256"/>
+            <ac:picMk id="2" creationId="{00000000-0000-0000-0000-000000000000}"/>
+          </ac:picMkLst>
+        </pc:picChg>
+        <pc:picChg chg="add mod">
+          <ac:chgData name="Aditi Goel" userId="3fa20b3036099dbe" providerId="LiveId" clId="{EF1906B0-F026-44B2-B46E-82ECC07F644E}" dt="2021-04-09T03:51:01.083" v="17" actId="1076"/>
+          <ac:picMkLst>
+            <pc:docMk/>
+            <pc:sldMk cId="0" sldId="256"/>
+            <ac:picMk id="9" creationId="{4DC00CBE-1973-4950-A640-73311CAF29A5}"/>
+          </ac:picMkLst>
+        </pc:picChg>
+      </pc:sldChg>
+      <pc:sldChg chg="modSp mod">
+        <pc:chgData name="Aditi Goel" userId="3fa20b3036099dbe" providerId="LiveId" clId="{EF1906B0-F026-44B2-B46E-82ECC07F644E}" dt="2021-04-09T03:48:52.341" v="2" actId="207"/>
+        <pc:sldMkLst>
+          <pc:docMk/>
+          <pc:sldMk cId="0" sldId="257"/>
+        </pc:sldMkLst>
+        <pc:picChg chg="mod">
+          <ac:chgData name="Aditi Goel" userId="3fa20b3036099dbe" providerId="LiveId" clId="{EF1906B0-F026-44B2-B46E-82ECC07F644E}" dt="2021-04-09T03:48:52.341" v="2" actId="207"/>
+          <ac:picMkLst>
+            <pc:docMk/>
+            <pc:sldMk cId="0" sldId="257"/>
+            <ac:picMk id="3" creationId="{00000000-0000-0000-0000-000000000000}"/>
+          </ac:picMkLst>
+        </pc:picChg>
+      </pc:sldChg>
+      <pc:sldChg chg="modSp mod">
+        <pc:chgData name="Aditi Goel" userId="3fa20b3036099dbe" providerId="LiveId" clId="{EF1906B0-F026-44B2-B46E-82ECC07F644E}" dt="2021-04-09T03:49:19.172" v="4" actId="207"/>
+        <pc:sldMkLst>
+          <pc:docMk/>
+          <pc:sldMk cId="0" sldId="258"/>
+        </pc:sldMkLst>
+        <pc:picChg chg="mod">
+          <ac:chgData name="Aditi Goel" userId="3fa20b3036099dbe" providerId="LiveId" clId="{EF1906B0-F026-44B2-B46E-82ECC07F644E}" dt="2021-04-09T03:49:19.172" v="4" actId="207"/>
+          <ac:picMkLst>
+            <pc:docMk/>
+            <pc:sldMk cId="0" sldId="258"/>
+            <ac:picMk id="27" creationId="{00000000-0000-0000-0000-000000000000}"/>
+          </ac:picMkLst>
+        </pc:picChg>
+      </pc:sldChg>
+    </pc:docChg>
+  </pc:docChgLst>
+</pc:chgInfo>
+</file>
+
 <file path=ppt/notesMasters/notesMaster1.xml><?xml version="1.0" encoding="utf-8"?>
 <p:notesMaster xmlns:a="http://schemas.openxmlformats.org/drawingml/2006/main" xmlns:r="http://schemas.openxmlformats.org/officeDocument/2006/relationships" xmlns:p="http://schemas.openxmlformats.org/presentationml/2006/main">
   <p:cSld>
@@ -602,8 +717,8 @@
         </p:nvSpPr>
         <p:spPr>
           <a:xfrm>
-            <a:off x="2857500" y="512763"/>
-            <a:ext cx="3429000" cy="2566987"/>
+            <a:off x="2290763" y="512763"/>
+            <a:ext cx="4562475" cy="2566987"/>
           </a:xfrm>
           <a:prstGeom prst="rect">
             <a:avLst/>
@@ -4111,7 +4226,7 @@
     <p:bg>
       <p:bgPr>
         <a:solidFill>
-          <a:srgbClr val="FBF1EF"/>
+          <a:srgbClr val="2A156A"/>
         </a:solidFill>
         <a:effectLst/>
       </p:bgPr>
@@ -4156,8 +4271,8 @@
         </p:blipFill>
         <p:spPr>
           <a:xfrm rot="5400000">
-            <a:off x="-102292" y="-408202"/>
-            <a:ext cx="10298765" cy="10617283"/>
+            <a:off x="-2414660" y="-1843964"/>
+            <a:ext cx="5132029" cy="5290751"/>
           </a:xfrm>
           <a:prstGeom prst="rect">
             <a:avLst/>
@@ -4172,15 +4287,15 @@
         </p:nvSpPr>
         <p:spPr>
           <a:xfrm>
-            <a:off x="2796730" y="3809365"/>
-            <a:ext cx="5158137" cy="2715895"/>
+            <a:off x="4052719" y="2901571"/>
+            <a:ext cx="8861870" cy="1817549"/>
           </a:xfrm>
           <a:prstGeom prst="rect">
             <a:avLst/>
           </a:prstGeom>
         </p:spPr>
         <p:txBody>
-          <a:bodyPr lIns="0" tIns="0" rIns="0" bIns="0" rtlCol="0" anchor="t">
+          <a:bodyPr wrap="square" lIns="0" tIns="0" rIns="0" bIns="0" rtlCol="0" anchor="t">
             <a:spAutoFit/>
           </a:bodyPr>
           <a:lstStyle/>
@@ -4191,13 +4306,13 @@
               </a:lnSpc>
             </a:pPr>
             <a:r>
-              <a:rPr lang="en-US" sz="6400" spc="128">
+              <a:rPr lang="en-US" sz="8800" spc="128" dirty="0">
                 <a:solidFill>
-                  <a:srgbClr val="2D1674"/>
+                  <a:srgbClr val="E6CFF3"/>
                 </a:solidFill>
                 <a:latin typeface="Anonymous Pro Bold"/>
               </a:rPr>
-              <a:t>HUMAN</a:t>
+              <a:t>HUMAN ACTIVITY</a:t>
             </a:r>
           </a:p>
           <a:p>
@@ -4207,25 +4322,9 @@
               </a:lnSpc>
             </a:pPr>
             <a:r>
-              <a:rPr lang="en-US" sz="6400" spc="128">
+              <a:rPr lang="en-US" sz="8800" spc="128" dirty="0">
                 <a:solidFill>
-                  <a:srgbClr val="2D1674"/>
-                </a:solidFill>
-                <a:latin typeface="Anonymous Pro Bold"/>
-              </a:rPr>
-              <a:t>ACTIVITY</a:t>
-            </a:r>
-          </a:p>
-          <a:p>
-            <a:pPr algn="ctr">
-              <a:lnSpc>
-                <a:spcPts val="7040"/>
-              </a:lnSpc>
-            </a:pPr>
-            <a:r>
-              <a:rPr lang="en-US" sz="6400" spc="128">
-                <a:solidFill>
-                  <a:srgbClr val="2D1674"/>
+                  <a:srgbClr val="E6CFF3"/>
                 </a:solidFill>
                 <a:latin typeface="Anonymous Pro Bold"/>
               </a:rPr>
@@ -4242,10 +4341,10 @@
         </p:nvGrpSpPr>
         <p:grpSpPr>
           <a:xfrm>
-            <a:off x="11124088" y="2802015"/>
-            <a:ext cx="6431719" cy="6141916"/>
-            <a:chOff x="0" y="-47625"/>
-            <a:chExt cx="8575625" cy="8189222"/>
+            <a:off x="3718340" y="1181790"/>
+            <a:ext cx="9876179" cy="7505291"/>
+            <a:chOff x="-9874330" y="-2207925"/>
+            <a:chExt cx="13168238" cy="10007053"/>
           </a:xfrm>
         </p:grpSpPr>
         <p:sp>
@@ -4256,8 +4355,8 @@
           </p:nvSpPr>
           <p:spPr>
             <a:xfrm>
-              <a:off x="0" y="-47625"/>
-              <a:ext cx="8575625" cy="797772"/>
+              <a:off x="-5281717" y="-2207925"/>
+              <a:ext cx="8575625" cy="820737"/>
             </a:xfrm>
             <a:prstGeom prst="rect">
               <a:avLst/>
@@ -4275,14 +4374,20 @@
                 </a:lnSpc>
               </a:pPr>
               <a:r>
-                <a:rPr lang="en-US" sz="3700" spc="185">
+                <a:rPr lang="en-US" sz="4000" spc="185" dirty="0">
                   <a:solidFill>
-                    <a:srgbClr val="2D1674"/>
+                    <a:srgbClr val="E6CFF3"/>
                   </a:solidFill>
                   <a:latin typeface="Anonymous Pro Bold"/>
                 </a:rPr>
                 <a:t>CS229</a:t>
               </a:r>
+              <a:endParaRPr lang="en-US" sz="3700" spc="185" dirty="0">
+                <a:solidFill>
+                  <a:srgbClr val="E6CFF3"/>
+                </a:solidFill>
+                <a:latin typeface="Anonymous Pro Bold"/>
+              </a:endParaRPr>
             </a:p>
           </p:txBody>
         </p:sp>
@@ -4294,8 +4399,8 @@
           </p:nvSpPr>
           <p:spPr>
             <a:xfrm>
-              <a:off x="0" y="1296817"/>
-              <a:ext cx="8575625" cy="6844780"/>
+              <a:off x="-9874330" y="4801555"/>
+              <a:ext cx="8575625" cy="2997573"/>
             </a:xfrm>
             <a:prstGeom prst="rect">
               <a:avLst/>
@@ -4315,7 +4420,7 @@
               <a:r>
                 <a:rPr lang="en-US" sz="3000" spc="30" dirty="0">
                   <a:solidFill>
-                    <a:srgbClr val="2D1674"/>
+                    <a:srgbClr val="E6CFF3"/>
                   </a:solidFill>
                   <a:latin typeface="Anonymous Pro Bold"/>
                 </a:rPr>
@@ -4324,7 +4429,7 @@
               <a:r>
                 <a:rPr lang="en-US" sz="3000" spc="30" dirty="0">
                   <a:solidFill>
-                    <a:srgbClr val="2D1674"/>
+                    <a:srgbClr val="E6CFF3"/>
                   </a:solidFill>
                   <a:latin typeface="Anonymous Pro"/>
                 </a:rPr>
@@ -4340,7 +4445,7 @@
               <a:r>
                 <a:rPr lang="en-US" sz="3000" spc="30" dirty="0">
                   <a:solidFill>
-                    <a:srgbClr val="2D1674"/>
+                    <a:srgbClr val="E6CFF3"/>
                   </a:solidFill>
                   <a:latin typeface="Anonymous Pro"/>
                 </a:rPr>
@@ -4356,7 +4461,7 @@
               <a:r>
                 <a:rPr lang="en-US" sz="3000" spc="30" dirty="0">
                   <a:solidFill>
-                    <a:srgbClr val="2D1674"/>
+                    <a:srgbClr val="E6CFF3"/>
                   </a:solidFill>
                   <a:latin typeface="Anonymous Pro"/>
                 </a:rPr>
@@ -4369,89 +4474,15 @@
                   <a:spcPts val="4500"/>
                 </a:lnSpc>
               </a:pPr>
-              <a:endParaRPr lang="en-US" sz="3000" spc="30" dirty="0">
-                <a:solidFill>
-                  <a:srgbClr val="2D1674"/>
-                </a:solidFill>
-                <a:latin typeface="Anonymous Pro"/>
-              </a:endParaRPr>
-            </a:p>
-            <a:p>
-              <a:pPr>
-                <a:lnSpc>
-                  <a:spcPts val="4500"/>
-                </a:lnSpc>
-              </a:pPr>
               <a:r>
                 <a:rPr lang="en-US" sz="3000" spc="30" dirty="0">
                   <a:solidFill>
-                    <a:srgbClr val="2D1674"/>
-                  </a:solidFill>
-                  <a:latin typeface="Anonymous Pro Bold"/>
-                </a:rPr>
-                <a:t>UNDER MENTORSHIP OF:</a:t>
-              </a:r>
-            </a:p>
-            <a:p>
-              <a:pPr>
-                <a:lnSpc>
-                  <a:spcPts val="4500"/>
-                </a:lnSpc>
-              </a:pPr>
-              <a:r>
-                <a:rPr lang="en-US" sz="3000" spc="30" dirty="0">
-                  <a:solidFill>
-                    <a:srgbClr val="2D1674"/>
+                    <a:srgbClr val="E6CFF3"/>
                   </a:solidFill>
                   <a:latin typeface="Anonymous Pro"/>
                 </a:rPr>
-                <a:t>Dr. Jimson Mathew</a:t>
+                <a:t>IIT PATNA</a:t>
               </a:r>
-            </a:p>
-            <a:p>
-              <a:pPr>
-                <a:lnSpc>
-                  <a:spcPts val="4500"/>
-                </a:lnSpc>
-              </a:pPr>
-              <a:r>
-                <a:rPr lang="en-US" sz="3000" spc="30" dirty="0">
-                  <a:solidFill>
-                    <a:srgbClr val="2D1674"/>
-                  </a:solidFill>
-                  <a:latin typeface="Anonymous Pro"/>
-                </a:rPr>
-                <a:t>Associate Professor</a:t>
-              </a:r>
-            </a:p>
-            <a:p>
-              <a:pPr>
-                <a:lnSpc>
-                  <a:spcPts val="4500"/>
-                </a:lnSpc>
-              </a:pPr>
-              <a:r>
-                <a:rPr lang="en-US" sz="3000" spc="30" dirty="0">
-                  <a:solidFill>
-                    <a:srgbClr val="2D1674"/>
-                  </a:solidFill>
-                  <a:latin typeface="Anonymous Pro"/>
-                </a:rPr>
-                <a:t>IIT Patna</a:t>
-              </a:r>
-            </a:p>
-            <a:p>
-              <a:pPr>
-                <a:lnSpc>
-                  <a:spcPts val="4500"/>
-                </a:lnSpc>
-              </a:pPr>
-              <a:endParaRPr lang="en-US" sz="3000" spc="30" dirty="0">
-                <a:solidFill>
-                  <a:srgbClr val="2D1674"/>
-                </a:solidFill>
-                <a:latin typeface="Anonymous Pro"/>
-              </a:endParaRPr>
             </a:p>
           </p:txBody>
         </p:sp>
@@ -4662,6 +4693,155 @@
           </p:spPr>
         </p:sp>
       </p:grpSp>
+      <p:pic>
+        <p:nvPicPr>
+          <p:cNvPr id="9" name="Picture 2">
+            <a:extLst>
+              <a:ext uri="{FF2B5EF4-FFF2-40B4-BE49-F238E27FC236}">
+                <a16:creationId xmlns:a16="http://schemas.microsoft.com/office/drawing/2014/main" id="{4DC00CBE-1973-4950-A640-73311CAF29A5}"/>
+              </a:ext>
+            </a:extLst>
+          </p:cNvPr>
+          <p:cNvPicPr>
+            <a:picLocks noChangeAspect="1"/>
+          </p:cNvPicPr>
+          <p:nvPr/>
+        </p:nvPicPr>
+        <p:blipFill>
+          <a:blip r:embed="rId2">
+            <a:extLst>
+              <a:ext uri="{28A0092B-C50C-407E-A947-70E740481C1C}">
+                <a14:useLocalDpi xmlns:a14="http://schemas.microsoft.com/office/drawing/2010/main" val="0"/>
+              </a:ext>
+              <a:ext uri="{96DAC541-7B7A-43D3-8B79-37D633B846F1}">
+                <asvg:svgBlip xmlns:asvg="http://schemas.microsoft.com/office/drawing/2016/SVG/main" r:embed="rId3"/>
+              </a:ext>
+            </a:extLst>
+          </a:blip>
+          <a:srcRect/>
+          <a:stretch>
+            <a:fillRect/>
+          </a:stretch>
+        </p:blipFill>
+        <p:spPr>
+          <a:xfrm rot="5400000">
+            <a:off x="14984851" y="6846359"/>
+            <a:ext cx="5132029" cy="5290751"/>
+          </a:xfrm>
+          <a:prstGeom prst="rect">
+            <a:avLst/>
+          </a:prstGeom>
+        </p:spPr>
+      </p:pic>
+      <p:sp>
+        <p:nvSpPr>
+          <p:cNvPr id="12" name="TextBox 11">
+            <a:extLst>
+              <a:ext uri="{FF2B5EF4-FFF2-40B4-BE49-F238E27FC236}">
+                <a16:creationId xmlns:a16="http://schemas.microsoft.com/office/drawing/2014/main" id="{68A900BB-A6DB-4B42-8048-F3D17C69FF0A}"/>
+              </a:ext>
+            </a:extLst>
+          </p:cNvPr>
+          <p:cNvSpPr txBox="1"/>
+          <p:nvPr/>
+        </p:nvSpPr>
+        <p:spPr>
+          <a:xfrm>
+            <a:off x="8686800" y="5843289"/>
+            <a:ext cx="5760282" cy="3439403"/>
+          </a:xfrm>
+          <a:prstGeom prst="rect">
+            <a:avLst/>
+          </a:prstGeom>
+          <a:noFill/>
+        </p:spPr>
+        <p:txBody>
+          <a:bodyPr wrap="square" rtlCol="0">
+            <a:spAutoFit/>
+          </a:bodyPr>
+          <a:lstStyle/>
+          <a:p>
+            <a:pPr>
+              <a:lnSpc>
+                <a:spcPts val="4500"/>
+              </a:lnSpc>
+            </a:pPr>
+            <a:endParaRPr lang="en-US" sz="3000" spc="30" dirty="0">
+              <a:solidFill>
+                <a:srgbClr val="E6CFF3"/>
+              </a:solidFill>
+              <a:latin typeface="Anonymous Pro"/>
+            </a:endParaRPr>
+          </a:p>
+          <a:p>
+            <a:pPr>
+              <a:lnSpc>
+                <a:spcPts val="4500"/>
+              </a:lnSpc>
+            </a:pPr>
+            <a:r>
+              <a:rPr lang="en-US" sz="3000" spc="30" dirty="0">
+                <a:solidFill>
+                  <a:srgbClr val="E6CFF3"/>
+                </a:solidFill>
+                <a:latin typeface="Anonymous Pro Bold"/>
+              </a:rPr>
+              <a:t>UNDER MENTORSHIP OF:</a:t>
+            </a:r>
+          </a:p>
+          <a:p>
+            <a:pPr>
+              <a:lnSpc>
+                <a:spcPts val="4500"/>
+              </a:lnSpc>
+            </a:pPr>
+            <a:r>
+              <a:rPr lang="en-US" sz="3000" spc="30" dirty="0">
+                <a:solidFill>
+                  <a:srgbClr val="E6CFF3"/>
+                </a:solidFill>
+                <a:latin typeface="Anonymous Pro"/>
+              </a:rPr>
+              <a:t>Dr. Jimson Mathew</a:t>
+            </a:r>
+          </a:p>
+          <a:p>
+            <a:pPr>
+              <a:lnSpc>
+                <a:spcPts val="4500"/>
+              </a:lnSpc>
+            </a:pPr>
+            <a:r>
+              <a:rPr lang="en-US" sz="3000" spc="30" dirty="0">
+                <a:solidFill>
+                  <a:srgbClr val="E6CFF3"/>
+                </a:solidFill>
+                <a:latin typeface="Anonymous Pro"/>
+              </a:rPr>
+              <a:t>Associate Professor</a:t>
+            </a:r>
+          </a:p>
+          <a:p>
+            <a:pPr>
+              <a:lnSpc>
+                <a:spcPts val="4500"/>
+              </a:lnSpc>
+            </a:pPr>
+            <a:r>
+              <a:rPr lang="en-US" sz="3000" spc="30" dirty="0">
+                <a:solidFill>
+                  <a:srgbClr val="E6CFF3"/>
+                </a:solidFill>
+                <a:latin typeface="Anonymous Pro"/>
+              </a:rPr>
+              <a:t>IIT Patna</a:t>
+            </a:r>
+          </a:p>
+          <a:p>
+            <a:endParaRPr lang="en-IN" sz="3000" dirty="0"/>
+          </a:p>
+        </p:txBody>
+      </p:sp>
     </p:spTree>
   </p:cSld>
   <p:clrMapOvr>

--- a/HAR.pptx
+++ b/HAR.pptx
@@ -354,7 +354,7 @@
           <a:p>
             <a:fld id="{B7268E1E-0E44-426D-905E-8AD9B19D2182}" type="datetimeFigureOut">
               <a:rPr lang="cs-CZ" smtClean="0"/>
-              <a:t>09.04.2021</a:t>
+              <a:t>16.04.2021</a:t>
             </a:fld>
             <a:endParaRPr lang="cs-CZ"/>
           </a:p>
@@ -699,7 +699,7 @@
           <a:p>
             <a:fld id="{B7268E1E-0E44-426D-905E-8AD9B19D2182}" type="datetimeFigureOut">
               <a:rPr lang="cs-CZ" smtClean="0"/>
-              <a:t>09.04.2021</a:t>
+              <a:t>16.04.2021</a:t>
             </a:fld>
             <a:endParaRPr lang="cs-CZ"/>
           </a:p>
@@ -934,7 +934,7 @@
           <a:p>
             <a:fld id="{B7268E1E-0E44-426D-905E-8AD9B19D2182}" type="datetimeFigureOut">
               <a:rPr lang="cs-CZ" smtClean="0"/>
-              <a:t>09.04.2021</a:t>
+              <a:t>16.04.2021</a:t>
             </a:fld>
             <a:endParaRPr lang="cs-CZ"/>
           </a:p>
@@ -1162,7 +1162,7 @@
           <a:p>
             <a:fld id="{B7268E1E-0E44-426D-905E-8AD9B19D2182}" type="datetimeFigureOut">
               <a:rPr lang="cs-CZ" smtClean="0"/>
-              <a:t>09.04.2021</a:t>
+              <a:t>16.04.2021</a:t>
             </a:fld>
             <a:endParaRPr lang="cs-CZ"/>
           </a:p>
@@ -1486,7 +1486,7 @@
             <a:fld id="{1D8BD707-D9CF-40AE-B4C6-C98DA3205C09}" type="datetimeFigureOut">
               <a:rPr lang="en-US" smtClean="0"/>
               <a:pPr/>
-              <a:t>4/9/2021</a:t>
+              <a:t>4/16/2021</a:t>
             </a:fld>
             <a:endParaRPr lang="en-US"/>
           </a:p>
@@ -1651,7 +1651,7 @@
             <a:fld id="{1D8BD707-D9CF-40AE-B4C6-C98DA3205C09}" type="datetimeFigureOut">
               <a:rPr lang="en-US" smtClean="0"/>
               <a:pPr/>
-              <a:t>4/9/2021</a:t>
+              <a:t>4/16/2021</a:t>
             </a:fld>
             <a:endParaRPr lang="en-US"/>
           </a:p>
@@ -1826,7 +1826,7 @@
             <a:fld id="{1D8BD707-D9CF-40AE-B4C6-C98DA3205C09}" type="datetimeFigureOut">
               <a:rPr lang="en-US" smtClean="0"/>
               <a:pPr/>
-              <a:t>4/9/2021</a:t>
+              <a:t>4/16/2021</a:t>
             </a:fld>
             <a:endParaRPr lang="en-US"/>
           </a:p>
@@ -1991,7 +1991,7 @@
             <a:fld id="{1D8BD707-D9CF-40AE-B4C6-C98DA3205C09}" type="datetimeFigureOut">
               <a:rPr lang="en-US" smtClean="0"/>
               <a:pPr/>
-              <a:t>4/9/2021</a:t>
+              <a:t>4/16/2021</a:t>
             </a:fld>
             <a:endParaRPr lang="en-US"/>
           </a:p>
@@ -2233,7 +2233,7 @@
             <a:fld id="{1D8BD707-D9CF-40AE-B4C6-C98DA3205C09}" type="datetimeFigureOut">
               <a:rPr lang="en-US" smtClean="0"/>
               <a:pPr/>
-              <a:t>4/9/2021</a:t>
+              <a:t>4/16/2021</a:t>
             </a:fld>
             <a:endParaRPr lang="en-US"/>
           </a:p>
@@ -2515,7 +2515,7 @@
             <a:fld id="{1D8BD707-D9CF-40AE-B4C6-C98DA3205C09}" type="datetimeFigureOut">
               <a:rPr lang="en-US" smtClean="0"/>
               <a:pPr/>
-              <a:t>4/9/2021</a:t>
+              <a:t>4/16/2021</a:t>
             </a:fld>
             <a:endParaRPr lang="en-US"/>
           </a:p>
@@ -2931,7 +2931,7 @@
             <a:fld id="{1D8BD707-D9CF-40AE-B4C6-C98DA3205C09}" type="datetimeFigureOut">
               <a:rPr lang="en-US" smtClean="0"/>
               <a:pPr/>
-              <a:t>4/9/2021</a:t>
+              <a:t>4/16/2021</a:t>
             </a:fld>
             <a:endParaRPr lang="en-US"/>
           </a:p>
@@ -3045,7 +3045,7 @@
             <a:fld id="{1D8BD707-D9CF-40AE-B4C6-C98DA3205C09}" type="datetimeFigureOut">
               <a:rPr lang="en-US" smtClean="0"/>
               <a:pPr/>
-              <a:t>4/9/2021</a:t>
+              <a:t>4/16/2021</a:t>
             </a:fld>
             <a:endParaRPr lang="en-US"/>
           </a:p>
@@ -3137,7 +3137,7 @@
             <a:fld id="{1D8BD707-D9CF-40AE-B4C6-C98DA3205C09}" type="datetimeFigureOut">
               <a:rPr lang="en-US" smtClean="0"/>
               <a:pPr/>
-              <a:t>4/9/2021</a:t>
+              <a:t>4/16/2021</a:t>
             </a:fld>
             <a:endParaRPr lang="en-US"/>
           </a:p>
@@ -3409,7 +3409,7 @@
             <a:fld id="{1D8BD707-D9CF-40AE-B4C6-C98DA3205C09}" type="datetimeFigureOut">
               <a:rPr lang="en-US" smtClean="0"/>
               <a:pPr/>
-              <a:t>4/9/2021</a:t>
+              <a:t>4/16/2021</a:t>
             </a:fld>
             <a:endParaRPr lang="en-US"/>
           </a:p>
@@ -3658,7 +3658,7 @@
             <a:fld id="{1D8BD707-D9CF-40AE-B4C6-C98DA3205C09}" type="datetimeFigureOut">
               <a:rPr lang="en-US" smtClean="0"/>
               <a:pPr/>
-              <a:t>4/9/2021</a:t>
+              <a:t>4/16/2021</a:t>
             </a:fld>
             <a:endParaRPr lang="en-US"/>
           </a:p>
@@ -3866,7 +3866,7 @@
             <a:fld id="{1D8BD707-D9CF-40AE-B4C6-C98DA3205C09}" type="datetimeFigureOut">
               <a:rPr lang="en-US" smtClean="0"/>
               <a:pPr/>
-              <a:t>4/9/2021</a:t>
+              <a:t>4/16/2021</a:t>
             </a:fld>
             <a:endParaRPr lang="en-US"/>
           </a:p>
@@ -4481,7 +4481,7 @@
                   </a:solidFill>
                   <a:latin typeface="Anonymous Pro"/>
                 </a:rPr>
-                <a:t>IIT PATNA</a:t>
+                <a:t>IIT Patna</a:t>
               </a:r>
             </a:p>
           </p:txBody>

--- a/HAR.pptx
+++ b/HAR.pptx
@@ -162,7 +162,7 @@
   <pc:docChgLst>
     <pc:chgData name="Aditi Goel" userId="3fa20b3036099dbe" providerId="LiveId" clId="{EF1906B0-F026-44B2-B46E-82ECC07F644E}"/>
     <pc:docChg chg="undo custSel modSld">
-      <pc:chgData name="Aditi Goel" userId="3fa20b3036099dbe" providerId="LiveId" clId="{EF1906B0-F026-44B2-B46E-82ECC07F644E}" dt="2021-04-09T03:55:16.699" v="74" actId="403"/>
+      <pc:chgData name="Aditi Goel" userId="3fa20b3036099dbe" providerId="LiveId" clId="{EF1906B0-F026-44B2-B46E-82ECC07F644E}" dt="2021-04-16T06:17:26.782" v="78" actId="1076"/>
       <pc:docMkLst>
         <pc:docMk/>
       </pc:docMkLst>
@@ -264,6 +264,52 @@
             <pc:docMk/>
             <pc:sldMk cId="0" sldId="258"/>
             <ac:picMk id="27" creationId="{00000000-0000-0000-0000-000000000000}"/>
+          </ac:picMkLst>
+        </pc:picChg>
+      </pc:sldChg>
+      <pc:sldChg chg="modSp mod">
+        <pc:chgData name="Aditi Goel" userId="3fa20b3036099dbe" providerId="LiveId" clId="{EF1906B0-F026-44B2-B46E-82ECC07F644E}" dt="2021-04-16T06:17:26.782" v="78" actId="1076"/>
+        <pc:sldMkLst>
+          <pc:docMk/>
+          <pc:sldMk cId="0" sldId="262"/>
+        </pc:sldMkLst>
+        <pc:picChg chg="mod">
+          <ac:chgData name="Aditi Goel" userId="3fa20b3036099dbe" providerId="LiveId" clId="{EF1906B0-F026-44B2-B46E-82ECC07F644E}" dt="2021-04-16T06:17:24.312" v="77" actId="1076"/>
+          <ac:picMkLst>
+            <pc:docMk/>
+            <pc:sldMk cId="0" sldId="262"/>
+            <ac:picMk id="3" creationId="{00000000-0000-0000-0000-000000000000}"/>
+          </ac:picMkLst>
+        </pc:picChg>
+        <pc:picChg chg="mod">
+          <ac:chgData name="Aditi Goel" userId="3fa20b3036099dbe" providerId="LiveId" clId="{EF1906B0-F026-44B2-B46E-82ECC07F644E}" dt="2021-04-16T06:17:26.782" v="78" actId="1076"/>
+          <ac:picMkLst>
+            <pc:docMk/>
+            <pc:sldMk cId="0" sldId="262"/>
+            <ac:picMk id="4" creationId="{00000000-0000-0000-0000-000000000000}"/>
+          </ac:picMkLst>
+        </pc:picChg>
+      </pc:sldChg>
+      <pc:sldChg chg="modSp mod">
+        <pc:chgData name="Aditi Goel" userId="3fa20b3036099dbe" providerId="LiveId" clId="{EF1906B0-F026-44B2-B46E-82ECC07F644E}" dt="2021-04-16T06:13:30.475" v="76" actId="1076"/>
+        <pc:sldMkLst>
+          <pc:docMk/>
+          <pc:sldMk cId="0" sldId="267"/>
+        </pc:sldMkLst>
+        <pc:grpChg chg="mod">
+          <ac:chgData name="Aditi Goel" userId="3fa20b3036099dbe" providerId="LiveId" clId="{EF1906B0-F026-44B2-B46E-82ECC07F644E}" dt="2021-04-16T06:13:30.475" v="76" actId="1076"/>
+          <ac:grpSpMkLst>
+            <pc:docMk/>
+            <pc:sldMk cId="0" sldId="267"/>
+            <ac:grpSpMk id="4" creationId="{00000000-0000-0000-0000-000000000000}"/>
+          </ac:grpSpMkLst>
+        </pc:grpChg>
+        <pc:picChg chg="mod">
+          <ac:chgData name="Aditi Goel" userId="3fa20b3036099dbe" providerId="LiveId" clId="{EF1906B0-F026-44B2-B46E-82ECC07F644E}" dt="2021-04-16T06:13:24.681" v="75" actId="1076"/>
+          <ac:picMkLst>
+            <pc:docMk/>
+            <pc:sldMk cId="0" sldId="267"/>
+            <ac:picMk id="6" creationId="{00000000-0000-0000-0000-000000000000}"/>
           </ac:picMkLst>
         </pc:picChg>
       </pc:sldChg>
@@ -5847,7 +5893,7 @@
         </p:nvGrpSpPr>
         <p:grpSpPr>
           <a:xfrm>
-            <a:off x="10696296" y="-1483046"/>
+            <a:off x="10636349" y="-1461974"/>
             <a:ext cx="13857371" cy="13857371"/>
             <a:chOff x="0" y="0"/>
             <a:chExt cx="6350000" cy="6350000"/>
@@ -5936,7 +5982,7 @@
         </p:blipFill>
         <p:spPr>
           <a:xfrm rot="5400000">
-            <a:off x="14540269" y="228385"/>
+            <a:off x="14639944" y="201605"/>
             <a:ext cx="9703718" cy="10003833"/>
           </a:xfrm>
           <a:prstGeom prst="rect">
@@ -11419,7 +11465,7 @@
         </p:blipFill>
         <p:spPr>
           <a:xfrm>
-            <a:off x="10302473" y="5143500"/>
+            <a:off x="10302473" y="5311968"/>
             <a:ext cx="6879408" cy="4653717"/>
           </a:xfrm>
           <a:prstGeom prst="rect">
@@ -11444,7 +11490,7 @@
         </p:blipFill>
         <p:spPr>
           <a:xfrm>
-            <a:off x="1679159" y="5143500"/>
+            <a:off x="1679159" y="5311968"/>
             <a:ext cx="6820366" cy="4653717"/>
           </a:xfrm>
           <a:prstGeom prst="rect">
